--- a/write-up/methodology.pptx
+++ b/write-up/methodology.pptx
@@ -261,7 +261,7 @@
           <a:p>
             <a:fld id="{1F684B9A-3BDA-4986-AB8E-42F3EBC3C0EB}" type="datetimeFigureOut">
               <a:rPr lang="en-HK" smtClean="0"/>
-              <a:t>22/7/2020</a:t>
+              <a:t>4/8/2020</a:t>
             </a:fld>
             <a:endParaRPr lang="en-HK"/>
           </a:p>
@@ -461,7 +461,7 @@
           <a:p>
             <a:fld id="{1F684B9A-3BDA-4986-AB8E-42F3EBC3C0EB}" type="datetimeFigureOut">
               <a:rPr lang="en-HK" smtClean="0"/>
-              <a:t>22/7/2020</a:t>
+              <a:t>4/8/2020</a:t>
             </a:fld>
             <a:endParaRPr lang="en-HK"/>
           </a:p>
@@ -671,7 +671,7 @@
           <a:p>
             <a:fld id="{1F684B9A-3BDA-4986-AB8E-42F3EBC3C0EB}" type="datetimeFigureOut">
               <a:rPr lang="en-HK" smtClean="0"/>
-              <a:t>22/7/2020</a:t>
+              <a:t>4/8/2020</a:t>
             </a:fld>
             <a:endParaRPr lang="en-HK"/>
           </a:p>
@@ -871,7 +871,7 @@
           <a:p>
             <a:fld id="{1F684B9A-3BDA-4986-AB8E-42F3EBC3C0EB}" type="datetimeFigureOut">
               <a:rPr lang="en-HK" smtClean="0"/>
-              <a:t>22/7/2020</a:t>
+              <a:t>4/8/2020</a:t>
             </a:fld>
             <a:endParaRPr lang="en-HK"/>
           </a:p>
@@ -1147,7 +1147,7 @@
           <a:p>
             <a:fld id="{1F684B9A-3BDA-4986-AB8E-42F3EBC3C0EB}" type="datetimeFigureOut">
               <a:rPr lang="en-HK" smtClean="0"/>
-              <a:t>22/7/2020</a:t>
+              <a:t>4/8/2020</a:t>
             </a:fld>
             <a:endParaRPr lang="en-HK"/>
           </a:p>
@@ -1415,7 +1415,7 @@
           <a:p>
             <a:fld id="{1F684B9A-3BDA-4986-AB8E-42F3EBC3C0EB}" type="datetimeFigureOut">
               <a:rPr lang="en-HK" smtClean="0"/>
-              <a:t>22/7/2020</a:t>
+              <a:t>4/8/2020</a:t>
             </a:fld>
             <a:endParaRPr lang="en-HK"/>
           </a:p>
@@ -1830,7 +1830,7 @@
           <a:p>
             <a:fld id="{1F684B9A-3BDA-4986-AB8E-42F3EBC3C0EB}" type="datetimeFigureOut">
               <a:rPr lang="en-HK" smtClean="0"/>
-              <a:t>22/7/2020</a:t>
+              <a:t>4/8/2020</a:t>
             </a:fld>
             <a:endParaRPr lang="en-HK"/>
           </a:p>
@@ -1972,7 +1972,7 @@
           <a:p>
             <a:fld id="{1F684B9A-3BDA-4986-AB8E-42F3EBC3C0EB}" type="datetimeFigureOut">
               <a:rPr lang="en-HK" smtClean="0"/>
-              <a:t>22/7/2020</a:t>
+              <a:t>4/8/2020</a:t>
             </a:fld>
             <a:endParaRPr lang="en-HK"/>
           </a:p>
@@ -2085,7 +2085,7 @@
           <a:p>
             <a:fld id="{1F684B9A-3BDA-4986-AB8E-42F3EBC3C0EB}" type="datetimeFigureOut">
               <a:rPr lang="en-HK" smtClean="0"/>
-              <a:t>22/7/2020</a:t>
+              <a:t>4/8/2020</a:t>
             </a:fld>
             <a:endParaRPr lang="en-HK"/>
           </a:p>
@@ -2398,7 +2398,7 @@
           <a:p>
             <a:fld id="{1F684B9A-3BDA-4986-AB8E-42F3EBC3C0EB}" type="datetimeFigureOut">
               <a:rPr lang="en-HK" smtClean="0"/>
-              <a:t>22/7/2020</a:t>
+              <a:t>4/8/2020</a:t>
             </a:fld>
             <a:endParaRPr lang="en-HK"/>
           </a:p>
@@ -2687,7 +2687,7 @@
           <a:p>
             <a:fld id="{1F684B9A-3BDA-4986-AB8E-42F3EBC3C0EB}" type="datetimeFigureOut">
               <a:rPr lang="en-HK" smtClean="0"/>
-              <a:t>22/7/2020</a:t>
+              <a:t>4/8/2020</a:t>
             </a:fld>
             <a:endParaRPr lang="en-HK"/>
           </a:p>
@@ -2930,7 +2930,7 @@
           <a:p>
             <a:fld id="{1F684B9A-3BDA-4986-AB8E-42F3EBC3C0EB}" type="datetimeFigureOut">
               <a:rPr lang="en-HK" smtClean="0"/>
-              <a:t>22/7/2020</a:t>
+              <a:t>4/8/2020</a:t>
             </a:fld>
             <a:endParaRPr lang="en-HK"/>
           </a:p>
@@ -3349,24 +3349,189 @@
       </p:grpSpPr>
       <p:sp>
         <p:nvSpPr>
-          <p:cNvPr id="3" name="Subtitle 2">
-            <a:extLst>
-              <a:ext uri="{FF2B5EF4-FFF2-40B4-BE49-F238E27FC236}">
-                <a16:creationId xmlns:a16="http://schemas.microsoft.com/office/drawing/2014/main" id="{A3C4AFBB-E29E-4773-8CEB-0E96814A2975}"/>
-              </a:ext>
-            </a:extLst>
-          </p:cNvPr>
-          <p:cNvSpPr>
-            <a:spLocks noGrp="1"/>
-          </p:cNvSpPr>
-          <p:nvPr>
-            <p:ph type="subTitle" idx="1"/>
-          </p:nvPr>
+          <p:cNvPr id="4" name="Rectangle 3">
+            <a:extLst>
+              <a:ext uri="{FF2B5EF4-FFF2-40B4-BE49-F238E27FC236}">
+                <a16:creationId xmlns:a16="http://schemas.microsoft.com/office/drawing/2014/main" id="{4295F6D9-6C47-4899-9EC4-8CA0F8687437}"/>
+              </a:ext>
+            </a:extLst>
+          </p:cNvPr>
+          <p:cNvSpPr/>
+          <p:nvPr/>
         </p:nvSpPr>
         <p:spPr>
           <a:xfrm>
-            <a:off x="451740" y="5349606"/>
-            <a:ext cx="1453423" cy="734202"/>
+            <a:off x="313843" y="174444"/>
+            <a:ext cx="11426417" cy="6447575"/>
+          </a:xfrm>
+          <a:prstGeom prst="rect">
+            <a:avLst/>
+          </a:prstGeom>
+          <a:solidFill>
+            <a:schemeClr val="accent3">
+              <a:lumMod val="40000"/>
+              <a:lumOff val="60000"/>
+            </a:schemeClr>
+          </a:solidFill>
+          <a:ln>
+            <a:noFill/>
+          </a:ln>
+        </p:spPr>
+        <p:style>
+          <a:lnRef idx="2">
+            <a:schemeClr val="accent1">
+              <a:shade val="50000"/>
+            </a:schemeClr>
+          </a:lnRef>
+          <a:fillRef idx="1">
+            <a:schemeClr val="accent1"/>
+          </a:fillRef>
+          <a:effectRef idx="0">
+            <a:schemeClr val="accent1"/>
+          </a:effectRef>
+          <a:fontRef idx="minor">
+            <a:schemeClr val="lt1"/>
+          </a:fontRef>
+        </p:style>
+        <p:txBody>
+          <a:bodyPr rtlCol="0" anchor="ctr"/>
+          <a:lstStyle/>
+          <a:p>
+            <a:pPr algn="ctr"/>
+            <a:endParaRPr lang="en-HK"/>
+          </a:p>
+        </p:txBody>
+      </p:sp>
+      <p:sp>
+        <p:nvSpPr>
+          <p:cNvPr id="25" name="Rectangle 24">
+            <a:extLst>
+              <a:ext uri="{FF2B5EF4-FFF2-40B4-BE49-F238E27FC236}">
+                <a16:creationId xmlns:a16="http://schemas.microsoft.com/office/drawing/2014/main" id="{B8E1DE3E-AA2F-49A1-9CE6-DE1C39AAC55B}"/>
+              </a:ext>
+            </a:extLst>
+          </p:cNvPr>
+          <p:cNvSpPr/>
+          <p:nvPr/>
+        </p:nvSpPr>
+        <p:spPr>
+          <a:xfrm>
+            <a:off x="313843" y="174444"/>
+            <a:ext cx="11426417" cy="2895256"/>
+          </a:xfrm>
+          <a:prstGeom prst="rect">
+            <a:avLst/>
+          </a:prstGeom>
+          <a:solidFill>
+            <a:schemeClr val="accent2">
+              <a:lumMod val="60000"/>
+              <a:lumOff val="40000"/>
+            </a:schemeClr>
+          </a:solidFill>
+          <a:ln>
+            <a:noFill/>
+          </a:ln>
+        </p:spPr>
+        <p:style>
+          <a:lnRef idx="2">
+            <a:schemeClr val="accent1">
+              <a:shade val="50000"/>
+            </a:schemeClr>
+          </a:lnRef>
+          <a:fillRef idx="1">
+            <a:schemeClr val="accent1"/>
+          </a:fillRef>
+          <a:effectRef idx="0">
+            <a:schemeClr val="accent1"/>
+          </a:effectRef>
+          <a:fontRef idx="minor">
+            <a:schemeClr val="lt1"/>
+          </a:fontRef>
+        </p:style>
+        <p:txBody>
+          <a:bodyPr rtlCol="0" anchor="ctr"/>
+          <a:lstStyle/>
+          <a:p>
+            <a:pPr algn="ctr"/>
+            <a:endParaRPr lang="en-HK"/>
+          </a:p>
+        </p:txBody>
+      </p:sp>
+      <p:sp>
+        <p:nvSpPr>
+          <p:cNvPr id="26" name="Rectangle 25">
+            <a:extLst>
+              <a:ext uri="{FF2B5EF4-FFF2-40B4-BE49-F238E27FC236}">
+                <a16:creationId xmlns:a16="http://schemas.microsoft.com/office/drawing/2014/main" id="{4D40060C-F36D-462D-8D5D-FC676C3BE8AE}"/>
+              </a:ext>
+            </a:extLst>
+          </p:cNvPr>
+          <p:cNvSpPr/>
+          <p:nvPr/>
+        </p:nvSpPr>
+        <p:spPr>
+          <a:xfrm>
+            <a:off x="313842" y="3069701"/>
+            <a:ext cx="11426417" cy="1957273"/>
+          </a:xfrm>
+          <a:prstGeom prst="rect">
+            <a:avLst/>
+          </a:prstGeom>
+          <a:solidFill>
+            <a:schemeClr val="accent4">
+              <a:lumMod val="60000"/>
+              <a:lumOff val="40000"/>
+            </a:schemeClr>
+          </a:solidFill>
+          <a:ln>
+            <a:noFill/>
+          </a:ln>
+        </p:spPr>
+        <p:style>
+          <a:lnRef idx="2">
+            <a:schemeClr val="accent1">
+              <a:shade val="50000"/>
+            </a:schemeClr>
+          </a:lnRef>
+          <a:fillRef idx="1">
+            <a:schemeClr val="accent1"/>
+          </a:fillRef>
+          <a:effectRef idx="0">
+            <a:schemeClr val="accent1"/>
+          </a:effectRef>
+          <a:fontRef idx="minor">
+            <a:schemeClr val="lt1"/>
+          </a:fontRef>
+        </p:style>
+        <p:txBody>
+          <a:bodyPr rtlCol="0" anchor="ctr"/>
+          <a:lstStyle/>
+          <a:p>
+            <a:pPr algn="ctr"/>
+            <a:endParaRPr lang="en-HK"/>
+          </a:p>
+        </p:txBody>
+      </p:sp>
+      <p:sp>
+        <p:nvSpPr>
+          <p:cNvPr id="3" name="Subtitle 2">
+            <a:extLst>
+              <a:ext uri="{FF2B5EF4-FFF2-40B4-BE49-F238E27FC236}">
+                <a16:creationId xmlns:a16="http://schemas.microsoft.com/office/drawing/2014/main" id="{A3C4AFBB-E29E-4773-8CEB-0E96814A2975}"/>
+              </a:ext>
+            </a:extLst>
+          </p:cNvPr>
+          <p:cNvSpPr>
+            <a:spLocks noGrp="1"/>
+          </p:cNvSpPr>
+          <p:nvPr>
+            <p:ph type="subTitle" idx="1"/>
+          </p:nvPr>
+        </p:nvSpPr>
+        <p:spPr>
+          <a:xfrm>
+            <a:off x="388168" y="5045901"/>
+            <a:ext cx="1337636" cy="572034"/>
           </a:xfrm>
         </p:spPr>
         <p:txBody>
@@ -3375,11 +3540,11 @@
           </a:bodyPr>
           <a:lstStyle/>
           <a:p>
-            <a:r>
-              <a:rPr lang="en-US" sz="1800" b="1"/>
+            <a:pPr algn="l"/>
+            <a:r>
+              <a:rPr lang="en-US" sz="1800" b="1" dirty="0"/>
               <a:t>Data Layer</a:t>
             </a:r>
-            <a:endParaRPr lang="en-US" sz="1800" b="1" dirty="0"/>
           </a:p>
         </p:txBody>
       </p:sp>
@@ -3410,8 +3575,8 @@
         </p:blipFill>
         <p:spPr bwMode="auto">
           <a:xfrm>
-            <a:off x="6025595" y="2940656"/>
-            <a:ext cx="2785281" cy="1044053"/>
+            <a:off x="6649525" y="2953142"/>
+            <a:ext cx="2865738" cy="1074212"/>
           </a:xfrm>
           <a:prstGeom prst="rect">
             <a:avLst/>
@@ -3457,8 +3622,8 @@
         </p:blipFill>
         <p:spPr bwMode="auto">
           <a:xfrm>
-            <a:off x="4605686" y="2828618"/>
-            <a:ext cx="1319282" cy="1319282"/>
+            <a:off x="5289016" y="3078472"/>
+            <a:ext cx="1126523" cy="1126523"/>
           </a:xfrm>
           <a:prstGeom prst="rect">
             <a:avLst/>
@@ -3551,7 +3716,7 @@
         </p:blipFill>
         <p:spPr bwMode="auto">
           <a:xfrm>
-            <a:off x="2269832" y="5081151"/>
+            <a:off x="2378190" y="5227406"/>
             <a:ext cx="2091195" cy="1194179"/>
           </a:xfrm>
           <a:prstGeom prst="rect">
@@ -3692,7 +3857,7 @@
         </p:blipFill>
         <p:spPr bwMode="auto">
           <a:xfrm>
-            <a:off x="8726423" y="276574"/>
+            <a:off x="5322154" y="181062"/>
             <a:ext cx="2208893" cy="1750752"/>
           </a:xfrm>
           <a:prstGeom prst="rect">
@@ -3786,7 +3951,7 @@
         </p:blipFill>
         <p:spPr bwMode="auto">
           <a:xfrm>
-            <a:off x="5344290" y="235981"/>
+            <a:off x="8530864" y="295874"/>
             <a:ext cx="2678359" cy="1548355"/>
           </a:xfrm>
           <a:prstGeom prst="rect">
@@ -3820,8 +3985,8 @@
         </p:nvSpPr>
         <p:spPr>
           <a:xfrm>
-            <a:off x="343737" y="3187169"/>
-            <a:ext cx="1669427" cy="997628"/>
+            <a:off x="332815" y="3076548"/>
+            <a:ext cx="1799759" cy="704904"/>
           </a:xfrm>
           <a:prstGeom prst="rect">
             <a:avLst/>
@@ -3829,7 +3994,7 @@
         </p:spPr>
         <p:txBody>
           <a:bodyPr vert="horz" lIns="91440" tIns="45720" rIns="91440" bIns="45720" rtlCol="0">
-            <a:normAutofit/>
+            <a:noAutofit/>
           </a:bodyPr>
           <a:lstStyle>
             <a:lvl1pPr marL="0" indent="0" algn="ctr" defTabSz="914400" rtl="0" eaLnBrk="1" latinLnBrk="0" hangingPunct="1">
@@ -3996,25 +4161,11 @@
             </a:lvl9pPr>
           </a:lstStyle>
           <a:p>
+            <a:pPr algn="l"/>
             <a:r>
               <a:rPr lang="en-US" sz="1800" b="1" dirty="0"/>
-              <a:t>Data Services</a:t>
-            </a:r>
-          </a:p>
-          <a:p>
-            <a:r>
-              <a:rPr lang="en-US" sz="1800" b="1" dirty="0"/>
-              <a:t>(Brain </a:t>
-            </a:r>
-            <a:r>
-              <a:rPr lang="en-US" sz="1800" b="1"/>
-              <a:t>of the Control </a:t>
-            </a:r>
-            <a:r>
-              <a:rPr lang="en-US" sz="1800" b="1" dirty="0"/>
-              <a:t>Room)</a:t>
-            </a:r>
-            <a:endParaRPr lang="en-HK" sz="1800" b="1" dirty="0"/>
+              <a:t>Data Services Layer</a:t>
+            </a:r>
           </a:p>
         </p:txBody>
       </p:sp>
@@ -4034,7 +4185,7 @@
         </p:nvSpPr>
         <p:spPr>
           <a:xfrm>
-            <a:off x="313843" y="884422"/>
+            <a:off x="313842" y="189547"/>
             <a:ext cx="1411962" cy="762590"/>
           </a:xfrm>
           <a:prstGeom prst="rect">
@@ -4210,6 +4361,7 @@
             </a:lvl9pPr>
           </a:lstStyle>
           <a:p>
+            <a:pPr algn="l"/>
             <a:r>
               <a:rPr lang="en-US" sz="1800" b="1" dirty="0"/>
               <a:t>Application Layer</a:t>
@@ -4234,8 +4386,8 @@
         </p:nvCxnSpPr>
         <p:spPr>
           <a:xfrm flipH="1" flipV="1">
-            <a:off x="3166835" y="1987055"/>
-            <a:ext cx="1752637" cy="813958"/>
+            <a:off x="3166837" y="1987055"/>
+            <a:ext cx="1915749" cy="997128"/>
           </a:xfrm>
           <a:prstGeom prst="straightConnector1">
             <a:avLst/>
@@ -4278,8 +4430,8 @@
         </p:nvCxnSpPr>
         <p:spPr>
           <a:xfrm flipV="1">
-            <a:off x="6889272" y="1839200"/>
-            <a:ext cx="0" cy="864436"/>
+            <a:off x="6359370" y="1839200"/>
+            <a:ext cx="0" cy="1053711"/>
           </a:xfrm>
           <a:prstGeom prst="straightConnector1">
             <a:avLst/>
@@ -4322,8 +4474,8 @@
         </p:nvCxnSpPr>
         <p:spPr>
           <a:xfrm flipV="1">
-            <a:off x="8315531" y="1936578"/>
-            <a:ext cx="1604901" cy="956333"/>
+            <a:off x="8426460" y="1953522"/>
+            <a:ext cx="1586971" cy="1258652"/>
           </a:xfrm>
           <a:prstGeom prst="straightConnector1">
             <a:avLst/>
@@ -4366,8 +4518,8 @@
         </p:nvCxnSpPr>
         <p:spPr>
           <a:xfrm flipV="1">
-            <a:off x="3524488" y="4184797"/>
-            <a:ext cx="1671039" cy="873542"/>
+            <a:off x="3456100" y="4204995"/>
+            <a:ext cx="1626486" cy="800279"/>
           </a:xfrm>
           <a:prstGeom prst="straightConnector1">
             <a:avLst/>
@@ -4410,7 +4562,7 @@
         </p:nvCxnSpPr>
         <p:spPr>
           <a:xfrm flipV="1">
-            <a:off x="7183244" y="4064859"/>
+            <a:off x="7025285" y="4056156"/>
             <a:ext cx="0" cy="831277"/>
           </a:xfrm>
           <a:prstGeom prst="straightConnector1">
@@ -4454,8 +4606,8 @@
         </p:nvCxnSpPr>
         <p:spPr>
           <a:xfrm flipH="1" flipV="1">
-            <a:off x="8810876" y="3955132"/>
-            <a:ext cx="1375540" cy="1103207"/>
+            <a:off x="8693672" y="3959067"/>
+            <a:ext cx="1319759" cy="1025456"/>
           </a:xfrm>
           <a:prstGeom prst="straightConnector1">
             <a:avLst/>
@@ -4510,9 +4662,101 @@
           </a:stretch>
         </p:blipFill>
         <p:spPr bwMode="auto">
-          <a:xfrm rot="19775115">
-            <a:off x="7970016" y="2250737"/>
+          <a:xfrm>
+            <a:off x="4971288" y="2071355"/>
             <a:ext cx="1252588" cy="322280"/>
+          </a:xfrm>
+          <a:prstGeom prst="rect">
+            <a:avLst/>
+          </a:prstGeom>
+          <a:noFill/>
+          <a:extLst>
+            <a:ext uri="{909E8E84-426E-40DD-AFC4-6F175D3DCCD1}">
+              <a14:hiddenFill xmlns:a14="http://schemas.microsoft.com/office/drawing/2010/main">
+                <a:solidFill>
+                  <a:srgbClr val="FFFFFF"/>
+                </a:solidFill>
+              </a14:hiddenFill>
+            </a:ext>
+          </a:extLst>
+        </p:spPr>
+      </p:pic>
+      <p:pic>
+        <p:nvPicPr>
+          <p:cNvPr id="8" name="Picture 2" descr="IrisVR - Software &amp; Technology - BuiltWorlds Directory">
+            <a:extLst>
+              <a:ext uri="{FF2B5EF4-FFF2-40B4-BE49-F238E27FC236}">
+                <a16:creationId xmlns:a16="http://schemas.microsoft.com/office/drawing/2014/main" id="{53476CB3-6958-4B1F-B288-9496B54F5181}"/>
+              </a:ext>
+            </a:extLst>
+          </p:cNvPr>
+          <p:cNvPicPr>
+            <a:picLocks noChangeAspect="1" noChangeArrowheads="1"/>
+          </p:cNvPicPr>
+          <p:nvPr/>
+        </p:nvPicPr>
+        <p:blipFill>
+          <a:blip r:embed="rId12">
+            <a:extLst>
+              <a:ext uri="{28A0092B-C50C-407E-A947-70E740481C1C}">
+                <a14:useLocalDpi xmlns:a14="http://schemas.microsoft.com/office/drawing/2010/main" val="0"/>
+              </a:ext>
+            </a:extLst>
+          </a:blip>
+          <a:srcRect/>
+          <a:stretch>
+            <a:fillRect/>
+          </a:stretch>
+        </p:blipFill>
+        <p:spPr bwMode="auto">
+          <a:xfrm rot="2137744">
+            <a:off x="3674974" y="2184447"/>
+            <a:ext cx="1035493" cy="273165"/>
+          </a:xfrm>
+          <a:prstGeom prst="rect">
+            <a:avLst/>
+          </a:prstGeom>
+          <a:noFill/>
+          <a:extLst>
+            <a:ext uri="{909E8E84-426E-40DD-AFC4-6F175D3DCCD1}">
+              <a14:hiddenFill xmlns:a14="http://schemas.microsoft.com/office/drawing/2010/main">
+                <a:solidFill>
+                  <a:srgbClr val="FFFFFF"/>
+                </a:solidFill>
+              </a14:hiddenFill>
+            </a:ext>
+          </a:extLst>
+        </p:spPr>
+      </p:pic>
+      <p:pic>
+        <p:nvPicPr>
+          <p:cNvPr id="10" name="Picture 6" descr="Microsoft-Power-BI-Logo - Idellys">
+            <a:extLst>
+              <a:ext uri="{FF2B5EF4-FFF2-40B4-BE49-F238E27FC236}">
+                <a16:creationId xmlns:a16="http://schemas.microsoft.com/office/drawing/2014/main" id="{439D7A39-58DD-411A-A361-948F7689164A}"/>
+              </a:ext>
+            </a:extLst>
+          </p:cNvPr>
+          <p:cNvPicPr>
+            <a:picLocks noChangeAspect="1" noChangeArrowheads="1"/>
+          </p:cNvPicPr>
+          <p:nvPr/>
+        </p:nvPicPr>
+        <p:blipFill rotWithShape="1">
+          <a:blip r:embed="rId13">
+            <a:extLst>
+              <a:ext uri="{28A0092B-C50C-407E-A947-70E740481C1C}">
+                <a14:useLocalDpi xmlns:a14="http://schemas.microsoft.com/office/drawing/2010/main" val="0"/>
+              </a:ext>
+            </a:extLst>
+          </a:blip>
+          <a:srcRect l="27986" t="-1426" r="26553" b="1426"/>
+          <a:stretch/>
+        </p:blipFill>
+        <p:spPr bwMode="auto">
+          <a:xfrm>
+            <a:off x="7793303" y="2039181"/>
+            <a:ext cx="859045" cy="769141"/>
           </a:xfrm>
           <a:prstGeom prst="rect">
             <a:avLst/>

--- a/write-up/methodology.pptx
+++ b/write-up/methodology.pptx
@@ -261,7 +261,7 @@
           <a:p>
             <a:fld id="{1F684B9A-3BDA-4986-AB8E-42F3EBC3C0EB}" type="datetimeFigureOut">
               <a:rPr lang="en-HK" smtClean="0"/>
-              <a:t>4/8/2020</a:t>
+              <a:t>17/8/2020</a:t>
             </a:fld>
             <a:endParaRPr lang="en-HK"/>
           </a:p>
@@ -461,7 +461,7 @@
           <a:p>
             <a:fld id="{1F684B9A-3BDA-4986-AB8E-42F3EBC3C0EB}" type="datetimeFigureOut">
               <a:rPr lang="en-HK" smtClean="0"/>
-              <a:t>4/8/2020</a:t>
+              <a:t>17/8/2020</a:t>
             </a:fld>
             <a:endParaRPr lang="en-HK"/>
           </a:p>
@@ -671,7 +671,7 @@
           <a:p>
             <a:fld id="{1F684B9A-3BDA-4986-AB8E-42F3EBC3C0EB}" type="datetimeFigureOut">
               <a:rPr lang="en-HK" smtClean="0"/>
-              <a:t>4/8/2020</a:t>
+              <a:t>17/8/2020</a:t>
             </a:fld>
             <a:endParaRPr lang="en-HK"/>
           </a:p>
@@ -871,7 +871,7 @@
           <a:p>
             <a:fld id="{1F684B9A-3BDA-4986-AB8E-42F3EBC3C0EB}" type="datetimeFigureOut">
               <a:rPr lang="en-HK" smtClean="0"/>
-              <a:t>4/8/2020</a:t>
+              <a:t>17/8/2020</a:t>
             </a:fld>
             <a:endParaRPr lang="en-HK"/>
           </a:p>
@@ -1147,7 +1147,7 @@
           <a:p>
             <a:fld id="{1F684B9A-3BDA-4986-AB8E-42F3EBC3C0EB}" type="datetimeFigureOut">
               <a:rPr lang="en-HK" smtClean="0"/>
-              <a:t>4/8/2020</a:t>
+              <a:t>17/8/2020</a:t>
             </a:fld>
             <a:endParaRPr lang="en-HK"/>
           </a:p>
@@ -1415,7 +1415,7 @@
           <a:p>
             <a:fld id="{1F684B9A-3BDA-4986-AB8E-42F3EBC3C0EB}" type="datetimeFigureOut">
               <a:rPr lang="en-HK" smtClean="0"/>
-              <a:t>4/8/2020</a:t>
+              <a:t>17/8/2020</a:t>
             </a:fld>
             <a:endParaRPr lang="en-HK"/>
           </a:p>
@@ -1830,7 +1830,7 @@
           <a:p>
             <a:fld id="{1F684B9A-3BDA-4986-AB8E-42F3EBC3C0EB}" type="datetimeFigureOut">
               <a:rPr lang="en-HK" smtClean="0"/>
-              <a:t>4/8/2020</a:t>
+              <a:t>17/8/2020</a:t>
             </a:fld>
             <a:endParaRPr lang="en-HK"/>
           </a:p>
@@ -1972,7 +1972,7 @@
           <a:p>
             <a:fld id="{1F684B9A-3BDA-4986-AB8E-42F3EBC3C0EB}" type="datetimeFigureOut">
               <a:rPr lang="en-HK" smtClean="0"/>
-              <a:t>4/8/2020</a:t>
+              <a:t>17/8/2020</a:t>
             </a:fld>
             <a:endParaRPr lang="en-HK"/>
           </a:p>
@@ -2085,7 +2085,7 @@
           <a:p>
             <a:fld id="{1F684B9A-3BDA-4986-AB8E-42F3EBC3C0EB}" type="datetimeFigureOut">
               <a:rPr lang="en-HK" smtClean="0"/>
-              <a:t>4/8/2020</a:t>
+              <a:t>17/8/2020</a:t>
             </a:fld>
             <a:endParaRPr lang="en-HK"/>
           </a:p>
@@ -2398,7 +2398,7 @@
           <a:p>
             <a:fld id="{1F684B9A-3BDA-4986-AB8E-42F3EBC3C0EB}" type="datetimeFigureOut">
               <a:rPr lang="en-HK" smtClean="0"/>
-              <a:t>4/8/2020</a:t>
+              <a:t>17/8/2020</a:t>
             </a:fld>
             <a:endParaRPr lang="en-HK"/>
           </a:p>
@@ -2687,7 +2687,7 @@
           <a:p>
             <a:fld id="{1F684B9A-3BDA-4986-AB8E-42F3EBC3C0EB}" type="datetimeFigureOut">
               <a:rPr lang="en-HK" smtClean="0"/>
-              <a:t>4/8/2020</a:t>
+              <a:t>17/8/2020</a:t>
             </a:fld>
             <a:endParaRPr lang="en-HK"/>
           </a:p>
@@ -2930,7 +2930,7 @@
           <a:p>
             <a:fld id="{1F684B9A-3BDA-4986-AB8E-42F3EBC3C0EB}" type="datetimeFigureOut">
               <a:rPr lang="en-HK" smtClean="0"/>
-              <a:t>4/8/2020</a:t>
+              <a:t>17/8/2020</a:t>
             </a:fld>
             <a:endParaRPr lang="en-HK"/>
           </a:p>
@@ -3622,7 +3622,7 @@
         </p:blipFill>
         <p:spPr bwMode="auto">
           <a:xfrm>
-            <a:off x="5289016" y="3078472"/>
+            <a:off x="5157716" y="2965669"/>
             <a:ext cx="1126523" cy="1126523"/>
           </a:xfrm>
           <a:prstGeom prst="rect">
@@ -3857,8 +3857,8 @@
         </p:blipFill>
         <p:spPr bwMode="auto">
           <a:xfrm>
-            <a:off x="5322154" y="181062"/>
-            <a:ext cx="2208893" cy="1750752"/>
+            <a:off x="5322155" y="181062"/>
+            <a:ext cx="2029622" cy="1608663"/>
           </a:xfrm>
           <a:prstGeom prst="rect">
             <a:avLst/>
@@ -3951,7 +3951,7 @@
         </p:blipFill>
         <p:spPr bwMode="auto">
           <a:xfrm>
-            <a:off x="8530864" y="295874"/>
+            <a:off x="8565828" y="241370"/>
             <a:ext cx="2678359" cy="1548355"/>
           </a:xfrm>
           <a:prstGeom prst="rect">
@@ -4562,7 +4562,7 @@
         </p:nvCxnSpPr>
         <p:spPr>
           <a:xfrm flipV="1">
-            <a:off x="7025285" y="4056156"/>
+            <a:off x="7208165" y="4056156"/>
             <a:ext cx="0" cy="831277"/>
           </a:xfrm>
           <a:prstGeom prst="straightConnector1">
@@ -4709,7 +4709,7 @@
           </a:stretch>
         </p:blipFill>
         <p:spPr bwMode="auto">
-          <a:xfrm rot="2137744">
+          <a:xfrm rot="1962791">
             <a:off x="3674974" y="2184447"/>
             <a:ext cx="1035493" cy="273165"/>
           </a:xfrm>
@@ -4755,7 +4755,7 @@
         </p:blipFill>
         <p:spPr bwMode="auto">
           <a:xfrm>
-            <a:off x="7793303" y="2039181"/>
+            <a:off x="7706783" y="1991547"/>
             <a:ext cx="859045" cy="769141"/>
           </a:xfrm>
           <a:prstGeom prst="rect">
